--- a/presentations/slides-119-anima-update-brski-with-pledge-in-responder-mode-brski-prm.pptx
+++ b/presentations/slides-119-anima-update-brski-with-pledge-in-responder-mode-brski-prm.pptx
@@ -2,16 +2,16 @@
 <file path=ppt/presentation.xml><?xml version="1.0" encoding="utf-8"?>
 <p:presentation xmlns:a="http://schemas.openxmlformats.org/drawingml/2006/main" xmlns:r="http://schemas.openxmlformats.org/officeDocument/2006/relationships" xmlns:p="http://schemas.openxmlformats.org/presentationml/2006/main" saveSubsetFonts="1">
   <p:sldMasterIdLst>
-    <p:sldMasterId id="2147483663" r:id="rId1"/>
+    <p:sldMasterId id="2147483663" r:id="rId4"/>
   </p:sldMasterIdLst>
   <p:notesMasterIdLst>
-    <p:notesMasterId r:id="rId6"/>
+    <p:notesMasterId r:id="rId9"/>
   </p:notesMasterIdLst>
   <p:sldIdLst>
-    <p:sldId id="310" r:id="rId2"/>
-    <p:sldId id="322" r:id="rId3"/>
-    <p:sldId id="311" r:id="rId4"/>
-    <p:sldId id="285" r:id="rId5"/>
+    <p:sldId id="310" r:id="rId5"/>
+    <p:sldId id="322" r:id="rId6"/>
+    <p:sldId id="311" r:id="rId7"/>
+    <p:sldId id="285" r:id="rId8"/>
   </p:sldIdLst>
   <p:sldSz cx="12192000" cy="6858000"/>
   <p:notesSz cx="6858000" cy="9144000"/>
@@ -144,12 +144,33 @@
 </p:cmAuthorLst>
 </file>
 
-<file path=ppt/revisionInfo.xml><?xml version="1.0" encoding="utf-8"?>
-<p1510:revInfo xmlns:a="http://schemas.openxmlformats.org/drawingml/2006/main" xmlns:r="http://schemas.openxmlformats.org/officeDocument/2006/relationships" xmlns:p1510="http://schemas.microsoft.com/office/powerpoint/2015/10/main">
-  <p1510:revLst>
-    <p1510:client id="{619125DE-9F86-B641-93C8-6AABE9696300}" v="3" dt="2023-03-23T09:04:20.578"/>
-  </p1510:revLst>
-</p1510:revInfo>
+<file path=ppt/changesInfos/changesInfo1.xml><?xml version="1.0" encoding="utf-8"?>
+<pc:chgInfo xmlns:a="http://schemas.openxmlformats.org/drawingml/2006/main" xmlns:r="http://schemas.openxmlformats.org/officeDocument/2006/relationships" xmlns:ac="http://schemas.microsoft.com/office/drawing/2013/main/command" xmlns:pc="http://schemas.microsoft.com/office/powerpoint/2013/main/command">
+  <pc:docChgLst>
+    <pc:chgData name="Werner, Thomas (T CST SEA-DE)" userId="ed58e375-8b61-4f81-b7fb-5ecac9cc7b9e" providerId="ADAL" clId="{5EF59296-C751-684C-B041-7DFD88D38AC7}"/>
+    <pc:docChg chg="undo custSel modSld">
+      <pc:chgData name="Werner, Thomas (T CST SEA-DE)" userId="ed58e375-8b61-4f81-b7fb-5ecac9cc7b9e" providerId="ADAL" clId="{5EF59296-C751-684C-B041-7DFD88D38AC7}" dt="2024-03-15T07:14:15.949" v="86" actId="20577"/>
+      <pc:docMkLst>
+        <pc:docMk/>
+      </pc:docMkLst>
+      <pc:sldChg chg="modSp mod">
+        <pc:chgData name="Werner, Thomas (T CST SEA-DE)" userId="ed58e375-8b61-4f81-b7fb-5ecac9cc7b9e" providerId="ADAL" clId="{5EF59296-C751-684C-B041-7DFD88D38AC7}" dt="2024-03-15T07:14:15.949" v="86" actId="20577"/>
+        <pc:sldMkLst>
+          <pc:docMk/>
+          <pc:sldMk cId="2975318478" sldId="311"/>
+        </pc:sldMkLst>
+        <pc:spChg chg="mod">
+          <ac:chgData name="Werner, Thomas (T CST SEA-DE)" userId="ed58e375-8b61-4f81-b7fb-5ecac9cc7b9e" providerId="ADAL" clId="{5EF59296-C751-684C-B041-7DFD88D38AC7}" dt="2024-03-15T07:14:15.949" v="86" actId="20577"/>
+          <ac:spMkLst>
+            <pc:docMk/>
+            <pc:sldMk cId="2975318478" sldId="311"/>
+            <ac:spMk id="3" creationId="{A9776AB7-EF6B-4831-BA5E-A2298E1B08F8}"/>
+          </ac:spMkLst>
+        </pc:spChg>
+      </pc:sldChg>
+    </pc:docChg>
+  </pc:docChgLst>
+</pc:chgInfo>
 </file>
 
 <file path=ppt/notesMasters/notesMaster1.xml><?xml version="1.0" encoding="utf-8"?>
@@ -234,7 +255,7 @@
           <a:p>
             <a:fld id="{33B5B5E8-CA78-4A82-83A0-867EF5A818AE}" type="datetimeFigureOut">
               <a:rPr lang="en-US" smtClean="0"/>
-              <a:t>3/8/2024</a:t>
+              <a:t>3/15/24</a:t>
             </a:fld>
             <a:endParaRPr lang="en-US"/>
           </a:p>
@@ -392,7 +413,7 @@
           <a:p>
             <a:fld id="{4C6D392E-C4EF-4AC5-9CF0-E17168E17BBE}" type="slidenum">
               <a:rPr lang="en-US" smtClean="0"/>
-              <a:t>‹#›</a:t>
+              <a:t>‹Nr.›</a:t>
             </a:fld>
             <a:endParaRPr lang="en-US"/>
           </a:p>
@@ -1067,7 +1088,7 @@
           <a:p>
             <a:fld id="{8C792E63-5F21-4F54-A864-D84D9F273FCA}" type="datetimeFigureOut">
               <a:rPr lang="en-US" smtClean="0"/>
-              <a:t>3/8/2024</a:t>
+              <a:t>3/15/24</a:t>
             </a:fld>
             <a:endParaRPr lang="en-US" dirty="0"/>
           </a:p>
@@ -1133,7 +1154,7 @@
           <a:p>
             <a:fld id="{104F53CC-0028-4916-8B93-0EBFFB2C7AAD}" type="slidenum">
               <a:rPr lang="en-US" smtClean="0"/>
-              <a:t>‹#›</a:t>
+              <a:t>‹Nr.›</a:t>
             </a:fld>
             <a:endParaRPr lang="en-US"/>
           </a:p>
@@ -1285,7 +1306,7 @@
           <a:p>
             <a:fld id="{8C792E63-5F21-4F54-A864-D84D9F273FCA}" type="datetimeFigureOut">
               <a:rPr lang="en-US" smtClean="0"/>
-              <a:t>3/8/2024</a:t>
+              <a:t>3/15/24</a:t>
             </a:fld>
             <a:endParaRPr lang="en-US"/>
           </a:p>
@@ -1347,7 +1368,7 @@
           <a:p>
             <a:fld id="{104F53CC-0028-4916-8B93-0EBFFB2C7AAD}" type="slidenum">
               <a:rPr lang="en-US" smtClean="0"/>
-              <a:t>‹#›</a:t>
+              <a:t>‹Nr.›</a:t>
             </a:fld>
             <a:endParaRPr lang="en-US"/>
           </a:p>
@@ -1509,7 +1530,7 @@
           <a:p>
             <a:fld id="{8C792E63-5F21-4F54-A864-D84D9F273FCA}" type="datetimeFigureOut">
               <a:rPr lang="en-US" smtClean="0"/>
-              <a:t>3/8/2024</a:t>
+              <a:t>3/15/24</a:t>
             </a:fld>
             <a:endParaRPr lang="en-US"/>
           </a:p>
@@ -1571,7 +1592,7 @@
           <a:p>
             <a:fld id="{104F53CC-0028-4916-8B93-0EBFFB2C7AAD}" type="slidenum">
               <a:rPr lang="en-US" smtClean="0"/>
-              <a:t>‹#›</a:t>
+              <a:t>‹Nr.›</a:t>
             </a:fld>
             <a:endParaRPr lang="en-US"/>
           </a:p>
@@ -1723,7 +1744,7 @@
           <a:p>
             <a:fld id="{8C792E63-5F21-4F54-A864-D84D9F273FCA}" type="datetimeFigureOut">
               <a:rPr lang="en-US" smtClean="0"/>
-              <a:t>3/8/2024</a:t>
+              <a:t>3/15/24</a:t>
             </a:fld>
             <a:endParaRPr lang="en-US"/>
           </a:p>
@@ -1785,7 +1806,7 @@
           <a:p>
             <a:fld id="{104F53CC-0028-4916-8B93-0EBFFB2C7AAD}" type="slidenum">
               <a:rPr lang="en-US" smtClean="0"/>
-              <a:t>‹#›</a:t>
+              <a:t>‹Nr.›</a:t>
             </a:fld>
             <a:endParaRPr lang="en-US"/>
           </a:p>
@@ -2014,7 +2035,7 @@
           <a:p>
             <a:fld id="{8C792E63-5F21-4F54-A864-D84D9F273FCA}" type="datetimeFigureOut">
               <a:rPr lang="en-US" smtClean="0"/>
-              <a:t>3/8/2024</a:t>
+              <a:t>3/15/24</a:t>
             </a:fld>
             <a:endParaRPr lang="en-US"/>
           </a:p>
@@ -2076,7 +2097,7 @@
           <a:p>
             <a:fld id="{104F53CC-0028-4916-8B93-0EBFFB2C7AAD}" type="slidenum">
               <a:rPr lang="en-US" smtClean="0"/>
-              <a:t>‹#›</a:t>
+              <a:t>‹Nr.›</a:t>
             </a:fld>
             <a:endParaRPr lang="en-US"/>
           </a:p>
@@ -2295,7 +2316,7 @@
           <a:p>
             <a:fld id="{8C792E63-5F21-4F54-A864-D84D9F273FCA}" type="datetimeFigureOut">
               <a:rPr lang="en-US" smtClean="0"/>
-              <a:t>3/8/2024</a:t>
+              <a:t>3/15/24</a:t>
             </a:fld>
             <a:endParaRPr lang="en-US"/>
           </a:p>
@@ -2357,7 +2378,7 @@
           <a:p>
             <a:fld id="{104F53CC-0028-4916-8B93-0EBFFB2C7AAD}" type="slidenum">
               <a:rPr lang="en-US" smtClean="0"/>
-              <a:t>‹#›</a:t>
+              <a:t>‹Nr.›</a:t>
             </a:fld>
             <a:endParaRPr lang="en-US"/>
           </a:p>
@@ -2723,7 +2744,7 @@
           <a:p>
             <a:fld id="{8C792E63-5F21-4F54-A864-D84D9F273FCA}" type="datetimeFigureOut">
               <a:rPr lang="en-US" smtClean="0"/>
-              <a:t>3/8/2024</a:t>
+              <a:t>3/15/24</a:t>
             </a:fld>
             <a:endParaRPr lang="en-US"/>
           </a:p>
@@ -2785,7 +2806,7 @@
           <a:p>
             <a:fld id="{104F53CC-0028-4916-8B93-0EBFFB2C7AAD}" type="slidenum">
               <a:rPr lang="en-US" smtClean="0"/>
-              <a:t>‹#›</a:t>
+              <a:t>‹Nr.›</a:t>
             </a:fld>
             <a:endParaRPr lang="en-US"/>
           </a:p>
@@ -2880,7 +2901,7 @@
           <a:p>
             <a:fld id="{8C792E63-5F21-4F54-A864-D84D9F273FCA}" type="datetimeFigureOut">
               <a:rPr lang="en-US" smtClean="0"/>
-              <a:t>3/8/2024</a:t>
+              <a:t>3/15/24</a:t>
             </a:fld>
             <a:endParaRPr lang="en-US"/>
           </a:p>
@@ -2942,7 +2963,7 @@
           <a:p>
             <a:fld id="{104F53CC-0028-4916-8B93-0EBFFB2C7AAD}" type="slidenum">
               <a:rPr lang="en-US" smtClean="0"/>
-              <a:t>‹#›</a:t>
+              <a:t>‹Nr.›</a:t>
             </a:fld>
             <a:endParaRPr lang="en-US"/>
           </a:p>
@@ -3009,7 +3030,7 @@
           <a:p>
             <a:fld id="{8C792E63-5F21-4F54-A864-D84D9F273FCA}" type="datetimeFigureOut">
               <a:rPr lang="en-US" smtClean="0"/>
-              <a:t>3/8/2024</a:t>
+              <a:t>3/15/24</a:t>
             </a:fld>
             <a:endParaRPr lang="en-US"/>
           </a:p>
@@ -3071,7 +3092,7 @@
           <a:p>
             <a:fld id="{104F53CC-0028-4916-8B93-0EBFFB2C7AAD}" type="slidenum">
               <a:rPr lang="en-US" smtClean="0"/>
-              <a:t>‹#›</a:t>
+              <a:t>‹Nr.›</a:t>
             </a:fld>
             <a:endParaRPr lang="en-US"/>
           </a:p>
@@ -3336,7 +3357,7 @@
           <a:p>
             <a:fld id="{8C792E63-5F21-4F54-A864-D84D9F273FCA}" type="datetimeFigureOut">
               <a:rPr lang="en-US" smtClean="0"/>
-              <a:t>3/8/2024</a:t>
+              <a:t>3/15/24</a:t>
             </a:fld>
             <a:endParaRPr lang="en-US"/>
           </a:p>
@@ -3398,7 +3419,7 @@
           <a:p>
             <a:fld id="{104F53CC-0028-4916-8B93-0EBFFB2C7AAD}" type="slidenum">
               <a:rPr lang="en-US" smtClean="0"/>
-              <a:t>‹#›</a:t>
+              <a:t>‹Nr.›</a:t>
             </a:fld>
             <a:endParaRPr lang="en-US"/>
           </a:p>
@@ -3640,7 +3661,7 @@
           <a:p>
             <a:fld id="{8C792E63-5F21-4F54-A864-D84D9F273FCA}" type="datetimeFigureOut">
               <a:rPr lang="en-US" smtClean="0"/>
-              <a:t>3/8/2024</a:t>
+              <a:t>3/15/24</a:t>
             </a:fld>
             <a:endParaRPr lang="en-US"/>
           </a:p>
@@ -3702,7 +3723,7 @@
           <a:p>
             <a:fld id="{104F53CC-0028-4916-8B93-0EBFFB2C7AAD}" type="slidenum">
               <a:rPr lang="en-US" smtClean="0"/>
-              <a:t>‹#›</a:t>
+              <a:t>‹Nr.›</a:t>
             </a:fld>
             <a:endParaRPr lang="en-US"/>
           </a:p>
@@ -3932,7 +3953,7 @@
           <a:p>
             <a:fld id="{8C792E63-5F21-4F54-A864-D84D9F273FCA}" type="datetimeFigureOut">
               <a:rPr lang="en-US" smtClean="0"/>
-              <a:t>3/8/2024</a:t>
+              <a:t>3/15/24</a:t>
             </a:fld>
             <a:endParaRPr lang="en-US"/>
           </a:p>
@@ -3979,7 +4000,7 @@
           <a:p>
             <a:fld id="{104F53CC-0028-4916-8B93-0EBFFB2C7AAD}" type="slidenum">
               <a:rPr lang="en-US" smtClean="0"/>
-              <a:t>‹#›</a:t>
+              <a:t>‹Nr.›</a:t>
             </a:fld>
             <a:endParaRPr lang="en-US"/>
           </a:p>
@@ -4896,7 +4917,7 @@
             <a:fld id="{8C792E63-5F21-4F54-A864-D84D9F273FCA}" type="datetimeFigureOut">
               <a:rPr lang="en-US" smtClean="0"/>
               <a:pPr/>
-              <a:t>3/8/2024</a:t>
+              <a:t>3/15/24</a:t>
             </a:fld>
             <a:endParaRPr lang="en-US" dirty="0"/>
           </a:p>
@@ -5249,7 +5270,7 @@
         </p:nvSpPr>
         <p:spPr>
           <a:xfrm>
-            <a:off x="701640" y="1776308"/>
+            <a:off x="701640" y="1440126"/>
             <a:ext cx="10515600" cy="4467973"/>
           </a:xfrm>
         </p:spPr>
@@ -5258,6 +5279,158 @@
             <a:noAutofit/>
           </a:bodyPr>
           <a:lstStyle/>
+          <a:p>
+            <a:pPr marL="0" indent="0">
+              <a:lnSpc>
+                <a:spcPct val="100000"/>
+              </a:lnSpc>
+              <a:spcBef>
+                <a:spcPts val="600"/>
+              </a:spcBef>
+              <a:buSzPct val="80000"/>
+              <a:buNone/>
+            </a:pPr>
+            <a:endParaRPr lang="en-US" sz="2400" dirty="0"/>
+          </a:p>
+          <a:p>
+            <a:pPr>
+              <a:lnSpc>
+                <a:spcPct val="100000"/>
+              </a:lnSpc>
+              <a:spcBef>
+                <a:spcPts val="600"/>
+              </a:spcBef>
+              <a:buSzPct val="80000"/>
+              <a:buFont typeface="Calibri" panose="020F0502020204030204" pitchFamily="34" charset="0"/>
+              <a:buChar char="–"/>
+            </a:pPr>
+            <a:r>
+              <a:rPr lang="en-US" sz="2400" dirty="0">
+                <a:solidFill>
+                  <a:schemeClr val="bg1">
+                    <a:lumMod val="50000"/>
+                  </a:schemeClr>
+                </a:solidFill>
+              </a:rPr>
+              <a:t>WGLC before IETF 116 - DONE</a:t>
+            </a:r>
+          </a:p>
+          <a:p>
+            <a:pPr>
+              <a:lnSpc>
+                <a:spcPct val="100000"/>
+              </a:lnSpc>
+              <a:spcBef>
+                <a:spcPts val="600"/>
+              </a:spcBef>
+              <a:buSzPct val="80000"/>
+              <a:buFont typeface="Calibri" panose="020F0502020204030204" pitchFamily="34" charset="0"/>
+              <a:buChar char="–"/>
+            </a:pPr>
+            <a:r>
+              <a:rPr lang="en-US" sz="2400" dirty="0">
+                <a:solidFill>
+                  <a:schemeClr val="bg1">
+                    <a:lumMod val="50000"/>
+                  </a:schemeClr>
+                </a:solidFill>
+              </a:rPr>
+              <a:t>IOT DIR early review - DONE </a:t>
+            </a:r>
+          </a:p>
+          <a:p>
+            <a:pPr>
+              <a:lnSpc>
+                <a:spcPct val="100000"/>
+              </a:lnSpc>
+              <a:spcBef>
+                <a:spcPts val="600"/>
+              </a:spcBef>
+              <a:buSzPct val="80000"/>
+              <a:buFont typeface="Calibri" panose="020F0502020204030204" pitchFamily="34" charset="0"/>
+              <a:buChar char="–"/>
+            </a:pPr>
+            <a:r>
+              <a:rPr lang="en-US" sz="2400" dirty="0">
+                <a:solidFill>
+                  <a:schemeClr val="bg1">
+                    <a:lumMod val="50000"/>
+                  </a:schemeClr>
+                </a:solidFill>
+              </a:rPr>
+              <a:t>SECDIR early review – DONE</a:t>
+            </a:r>
+          </a:p>
+          <a:p>
+            <a:pPr marL="0" indent="0">
+              <a:lnSpc>
+                <a:spcPct val="100000"/>
+              </a:lnSpc>
+              <a:spcBef>
+                <a:spcPts val="600"/>
+              </a:spcBef>
+              <a:buSzPct val="80000"/>
+              <a:buNone/>
+            </a:pPr>
+            <a:endParaRPr lang="en-US" sz="2400" dirty="0">
+              <a:solidFill>
+                <a:schemeClr val="bg1">
+                  <a:lumMod val="50000"/>
+                </a:schemeClr>
+              </a:solidFill>
+            </a:endParaRPr>
+          </a:p>
+          <a:p>
+            <a:pPr>
+              <a:lnSpc>
+                <a:spcPct val="100000"/>
+              </a:lnSpc>
+              <a:spcBef>
+                <a:spcPts val="600"/>
+              </a:spcBef>
+              <a:buSzPct val="80000"/>
+              <a:buFont typeface="Calibri" panose="020F0502020204030204" pitchFamily="34" charset="0"/>
+              <a:buChar char="–"/>
+            </a:pPr>
+            <a:r>
+              <a:rPr lang="en-US" sz="2400" dirty="0"/>
+              <a:t>Update of examples in Annex to match latest state of definitions</a:t>
+            </a:r>
+          </a:p>
+          <a:p>
+            <a:pPr>
+              <a:lnSpc>
+                <a:spcPct val="100000"/>
+              </a:lnSpc>
+              <a:spcBef>
+                <a:spcPts val="600"/>
+              </a:spcBef>
+              <a:buSzPct val="80000"/>
+              <a:buFont typeface="Calibri" panose="020F0502020204030204" pitchFamily="34" charset="0"/>
+              <a:buChar char="–"/>
+            </a:pPr>
+            <a:r>
+              <a:rPr lang="en-US" sz="2400" dirty="0"/>
+              <a:t>Shepherd review of last part and writeup</a:t>
+            </a:r>
+          </a:p>
+          <a:p>
+            <a:pPr>
+              <a:lnSpc>
+                <a:spcPct val="100000"/>
+              </a:lnSpc>
+              <a:spcBef>
+                <a:spcPts val="600"/>
+              </a:spcBef>
+              <a:buSzPct val="80000"/>
+              <a:buFont typeface="Calibri" panose="020F0502020204030204" pitchFamily="34" charset="0"/>
+              <a:buChar char="–"/>
+            </a:pPr>
+            <a:r>
+              <a:rPr lang="en-US" sz="2400" dirty="0"/>
+              <a:t>Ready for AD review </a:t>
+            </a:r>
+          </a:p>
           <a:p>
             <a:pPr>
               <a:lnSpc>
@@ -5285,136 +5458,8 @@
               <a:buChar char="–"/>
             </a:pPr>
             <a:r>
-              <a:rPr lang="en-US" sz="2400" dirty="0">
-                <a:solidFill>
-                  <a:schemeClr val="bg1">
-                    <a:lumMod val="50000"/>
-                  </a:schemeClr>
-                </a:solidFill>
-              </a:rPr>
-              <a:t>WGLC done before IETF 116</a:t>
-            </a:r>
-          </a:p>
-          <a:p>
-            <a:pPr>
-              <a:lnSpc>
-                <a:spcPct val="100000"/>
-              </a:lnSpc>
-              <a:spcBef>
-                <a:spcPts val="600"/>
-              </a:spcBef>
-              <a:buSzPct val="80000"/>
-              <a:buFont typeface="Calibri" panose="020F0502020204030204" pitchFamily="34" charset="0"/>
-              <a:buChar char="–"/>
-            </a:pPr>
-            <a:r>
-              <a:rPr lang="en-US" sz="2400" dirty="0">
-                <a:solidFill>
-                  <a:schemeClr val="bg1">
-                    <a:lumMod val="50000"/>
-                  </a:schemeClr>
-                </a:solidFill>
-              </a:rPr>
-              <a:t>IOT DIR early review done </a:t>
-            </a:r>
-          </a:p>
-          <a:p>
-            <a:pPr>
-              <a:lnSpc>
-                <a:spcPct val="100000"/>
-              </a:lnSpc>
-              <a:spcBef>
-                <a:spcPts val="600"/>
-              </a:spcBef>
-              <a:buSzPct val="80000"/>
-              <a:buFont typeface="Calibri" panose="020F0502020204030204" pitchFamily="34" charset="0"/>
-              <a:buChar char="–"/>
-            </a:pPr>
-            <a:r>
-              <a:rPr lang="en-US" sz="2400" dirty="0">
-                <a:solidFill>
-                  <a:schemeClr val="bg1">
-                    <a:lumMod val="50000"/>
-                  </a:schemeClr>
-                </a:solidFill>
-              </a:rPr>
-              <a:t>SECDIR early review done </a:t>
-            </a:r>
-          </a:p>
-          <a:p>
-            <a:pPr>
-              <a:lnSpc>
-                <a:spcPct val="100000"/>
-              </a:lnSpc>
-              <a:spcBef>
-                <a:spcPts val="600"/>
-              </a:spcBef>
-              <a:buSzPct val="80000"/>
-              <a:buFont typeface="Calibri" panose="020F0502020204030204" pitchFamily="34" charset="0"/>
-              <a:buChar char="–"/>
-            </a:pPr>
-            <a:r>
               <a:rPr lang="en-US" sz="2400" dirty="0"/>
-              <a:t>Update of examples in Annex to match latest state of definitions</a:t>
-            </a:r>
-          </a:p>
-          <a:p>
-            <a:pPr>
-              <a:lnSpc>
-                <a:spcPct val="100000"/>
-              </a:lnSpc>
-              <a:spcBef>
-                <a:spcPts val="600"/>
-              </a:spcBef>
-              <a:buSzPct val="80000"/>
-              <a:buFont typeface="Calibri" panose="020F0502020204030204" pitchFamily="34" charset="0"/>
-              <a:buChar char="–"/>
-            </a:pPr>
-            <a:r>
-              <a:rPr lang="en-US" sz="2400" dirty="0"/>
-              <a:t>Shepherd review of last part and writeup</a:t>
-            </a:r>
-          </a:p>
-          <a:p>
-            <a:pPr>
-              <a:lnSpc>
-                <a:spcPct val="100000"/>
-              </a:lnSpc>
-              <a:spcBef>
-                <a:spcPts val="600"/>
-              </a:spcBef>
-              <a:buSzPct val="80000"/>
-              <a:buFont typeface="Calibri" panose="020F0502020204030204" pitchFamily="34" charset="0"/>
-              <a:buChar char="–"/>
-            </a:pPr>
-            <a:r>
-              <a:rPr lang="en-US" sz="2400" dirty="0"/>
-              <a:t>Ready for AD review </a:t>
-            </a:r>
-          </a:p>
-          <a:p>
-            <a:pPr>
-              <a:lnSpc>
-                <a:spcPct val="100000"/>
-              </a:lnSpc>
-            </a:pPr>
-            <a:endParaRPr lang="en-US" sz="2400" dirty="0"/>
-          </a:p>
-          <a:p>
-            <a:pPr>
-              <a:lnSpc>
-                <a:spcPct val="100000"/>
-              </a:lnSpc>
-              <a:spcBef>
-                <a:spcPts val="600"/>
-              </a:spcBef>
-              <a:buSzPct val="80000"/>
-              <a:buFont typeface="Calibri" panose="020F0502020204030204" pitchFamily="34" charset="0"/>
-              <a:buChar char="–"/>
-            </a:pPr>
-            <a:r>
-              <a:rPr lang="en-US" sz="2400" dirty="0"/>
-              <a:t>Interop testing with others welcome </a:t>
+              <a:t>Further Interop testing with other parties welcome </a:t>
             </a:r>
             <a:r>
               <a:rPr lang="en-US" sz="2400" dirty="0">
@@ -5708,7 +5753,7 @@
             <a:fld id="{8C792E63-5F21-4F54-A864-D84D9F273FCA}" type="datetimeFigureOut">
               <a:rPr lang="en-US" smtClean="0"/>
               <a:pPr/>
-              <a:t>3/8/2024</a:t>
+              <a:t>3/15/24</a:t>
             </a:fld>
             <a:endParaRPr lang="en-US" dirty="0"/>
           </a:p>
@@ -10513,6 +10558,336 @@
 </a:theme>
 </file>
 
+<file path=customXml/item1.xml><?xml version="1.0" encoding="utf-8"?>
+<p:properties xmlns:p="http://schemas.microsoft.com/office/2006/metadata/properties" xmlns:xsi="http://www.w3.org/2001/XMLSchema-instance" xmlns:pc="http://schemas.microsoft.com/office/infopath/2007/PartnerControls">
+  <documentManagement>
+    <_ip_UnifiedCompliancePolicyUIAction xmlns="http://schemas.microsoft.com/sharepoint/v3" xsi:nil="true"/>
+    <TaxCatchAll xmlns="56810815-8df0-4f10-8da7-34164765fbe3" xsi:nil="true"/>
+    <_ip_UnifiedCompliancePolicyProperties xmlns="http://schemas.microsoft.com/sharepoint/v3" xsi:nil="true"/>
+    <lcf76f155ced4ddcb4097134ff3c332f xmlns="a9de424c-86b2-47ed-8d4e-0a9b7010e669">
+      <Terms xmlns="http://schemas.microsoft.com/office/infopath/2007/PartnerControls"/>
+    </lcf76f155ced4ddcb4097134ff3c332f>
+  </documentManagement>
+</p:properties>
+</file>
+
+<file path=customXml/item2.xml><?xml version="1.0" encoding="utf-8"?>
+<?mso-contentType ?>
+<FormTemplates xmlns="http://schemas.microsoft.com/sharepoint/v3/contenttype/forms">
+  <Display>DocumentLibraryForm</Display>
+  <Edit>DocumentLibraryForm</Edit>
+  <New>DocumentLibraryForm</New>
+</FormTemplates>
+</file>
+
+<file path=customXml/item3.xml><?xml version="1.0" encoding="utf-8"?>
+<ct:contentTypeSchema xmlns:ct="http://schemas.microsoft.com/office/2006/metadata/contentType" xmlns:ma="http://schemas.microsoft.com/office/2006/metadata/properties/metaAttributes" ct:_="" ma:_="" ma:contentTypeName="Dokument" ma:contentTypeID="0x01010035CD6C532085F8449DFAA9E5E2A73509" ma:contentTypeVersion="22" ma:contentTypeDescription="Ein neues Dokument erstellen." ma:contentTypeScope="" ma:versionID="79025ec143ee1b8f4e002a25dcc445cd">
+  <xsd:schema xmlns:xsd="http://www.w3.org/2001/XMLSchema" xmlns:xs="http://www.w3.org/2001/XMLSchema" xmlns:p="http://schemas.microsoft.com/office/2006/metadata/properties" xmlns:ns1="http://schemas.microsoft.com/sharepoint/v3" xmlns:ns2="ce079751-a51b-4a27-9376-edf93eae18d5" xmlns:ns3="a9de424c-86b2-47ed-8d4e-0a9b7010e669" xmlns:ns4="56810815-8df0-4f10-8da7-34164765fbe3" targetNamespace="http://schemas.microsoft.com/office/2006/metadata/properties" ma:root="true" ma:fieldsID="a349604d5808155358041a2fa3bfdc5c" ns1:_="" ns2:_="" ns3:_="" ns4:_="">
+    <xsd:import namespace="http://schemas.microsoft.com/sharepoint/v3"/>
+    <xsd:import namespace="ce079751-a51b-4a27-9376-edf93eae18d5"/>
+    <xsd:import namespace="a9de424c-86b2-47ed-8d4e-0a9b7010e669"/>
+    <xsd:import namespace="56810815-8df0-4f10-8da7-34164765fbe3"/>
+    <xsd:element name="properties">
+      <xsd:complexType>
+        <xsd:sequence>
+          <xsd:element name="documentManagement">
+            <xsd:complexType>
+              <xsd:all>
+                <xsd:element ref="ns2:SharedWithUsers" minOccurs="0"/>
+                <xsd:element ref="ns2:SharedWithDetails" minOccurs="0"/>
+                <xsd:element ref="ns3:MediaServiceMetadata" minOccurs="0"/>
+                <xsd:element ref="ns3:MediaServiceFastMetadata" minOccurs="0"/>
+                <xsd:element ref="ns3:MediaServiceAutoKeyPoints" minOccurs="0"/>
+                <xsd:element ref="ns3:MediaServiceKeyPoints" minOccurs="0"/>
+                <xsd:element ref="ns3:MediaServiceAutoTags" minOccurs="0"/>
+                <xsd:element ref="ns3:MediaServiceOCR" minOccurs="0"/>
+                <xsd:element ref="ns3:MediaServiceGenerationTime" minOccurs="0"/>
+                <xsd:element ref="ns3:MediaServiceEventHashCode" minOccurs="0"/>
+                <xsd:element ref="ns3:MediaLengthInSeconds" minOccurs="0"/>
+                <xsd:element ref="ns3:MediaServiceDateTaken" minOccurs="0"/>
+                <xsd:element ref="ns3:MediaServiceLocation" minOccurs="0"/>
+                <xsd:element ref="ns4:TaxCatchAll" minOccurs="0"/>
+                <xsd:element ref="ns3:lcf76f155ced4ddcb4097134ff3c332f" minOccurs="0"/>
+                <xsd:element ref="ns1:_ip_UnifiedCompliancePolicyProperties" minOccurs="0"/>
+                <xsd:element ref="ns1:_ip_UnifiedCompliancePolicyUIAction" minOccurs="0"/>
+                <xsd:element ref="ns3:MediaServiceObjectDetectorVersions" minOccurs="0"/>
+                <xsd:element ref="ns3:MediaServiceSearchProperties" minOccurs="0"/>
+              </xsd:all>
+            </xsd:complexType>
+          </xsd:element>
+        </xsd:sequence>
+      </xsd:complexType>
+    </xsd:element>
+  </xsd:schema>
+  <xsd:schema xmlns:xsd="http://www.w3.org/2001/XMLSchema" xmlns:xs="http://www.w3.org/2001/XMLSchema" xmlns:dms="http://schemas.microsoft.com/office/2006/documentManagement/types" xmlns:pc="http://schemas.microsoft.com/office/infopath/2007/PartnerControls" targetNamespace="http://schemas.microsoft.com/sharepoint/v3" elementFormDefault="qualified">
+    <xsd:import namespace="http://schemas.microsoft.com/office/2006/documentManagement/types"/>
+    <xsd:import namespace="http://schemas.microsoft.com/office/infopath/2007/PartnerControls"/>
+    <xsd:element name="_ip_UnifiedCompliancePolicyProperties" ma:index="24" nillable="true" ma:displayName="Eigenschaften der einheitlichen Compliancerichtlinie" ma:hidden="true" ma:internalName="_ip_UnifiedCompliancePolicyProperties">
+      <xsd:simpleType>
+        <xsd:restriction base="dms:Note"/>
+      </xsd:simpleType>
+    </xsd:element>
+    <xsd:element name="_ip_UnifiedCompliancePolicyUIAction" ma:index="25" nillable="true" ma:displayName="UI-Aktion der einheitlichen Compliancerichtlinie" ma:hidden="true" ma:internalName="_ip_UnifiedCompliancePolicyUIAction">
+      <xsd:simpleType>
+        <xsd:restriction base="dms:Text"/>
+      </xsd:simpleType>
+    </xsd:element>
+  </xsd:schema>
+  <xsd:schema xmlns:xsd="http://www.w3.org/2001/XMLSchema" xmlns:xs="http://www.w3.org/2001/XMLSchema" xmlns:dms="http://schemas.microsoft.com/office/2006/documentManagement/types" xmlns:pc="http://schemas.microsoft.com/office/infopath/2007/PartnerControls" targetNamespace="ce079751-a51b-4a27-9376-edf93eae18d5" elementFormDefault="qualified">
+    <xsd:import namespace="http://schemas.microsoft.com/office/2006/documentManagement/types"/>
+    <xsd:import namespace="http://schemas.microsoft.com/office/infopath/2007/PartnerControls"/>
+    <xsd:element name="SharedWithUsers" ma:index="8" nillable="true" ma:displayName="Freigegeben für" ma:internalName="SharedWithUsers" ma:readOnly="true">
+      <xsd:complexType>
+        <xsd:complexContent>
+          <xsd:extension base="dms:UserMulti">
+            <xsd:sequence>
+              <xsd:element name="UserInfo" minOccurs="0" maxOccurs="unbounded">
+                <xsd:complexType>
+                  <xsd:sequence>
+                    <xsd:element name="DisplayName" type="xsd:string" minOccurs="0"/>
+                    <xsd:element name="AccountId" type="dms:UserId" minOccurs="0" nillable="true"/>
+                    <xsd:element name="AccountType" type="xsd:string" minOccurs="0"/>
+                  </xsd:sequence>
+                </xsd:complexType>
+              </xsd:element>
+            </xsd:sequence>
+          </xsd:extension>
+        </xsd:complexContent>
+      </xsd:complexType>
+    </xsd:element>
+    <xsd:element name="SharedWithDetails" ma:index="9" nillable="true" ma:displayName="Freigegeben für - Details" ma:internalName="SharedWithDetails" ma:readOnly="true">
+      <xsd:simpleType>
+        <xsd:restriction base="dms:Note">
+          <xsd:maxLength value="255"/>
+        </xsd:restriction>
+      </xsd:simpleType>
+    </xsd:element>
+  </xsd:schema>
+  <xsd:schema xmlns:xsd="http://www.w3.org/2001/XMLSchema" xmlns:xs="http://www.w3.org/2001/XMLSchema" xmlns:dms="http://schemas.microsoft.com/office/2006/documentManagement/types" xmlns:pc="http://schemas.microsoft.com/office/infopath/2007/PartnerControls" targetNamespace="a9de424c-86b2-47ed-8d4e-0a9b7010e669" elementFormDefault="qualified">
+    <xsd:import namespace="http://schemas.microsoft.com/office/2006/documentManagement/types"/>
+    <xsd:import namespace="http://schemas.microsoft.com/office/infopath/2007/PartnerControls"/>
+    <xsd:element name="MediaServiceMetadata" ma:index="10" nillable="true" ma:displayName="MediaServiceMetadata" ma:hidden="true" ma:internalName="MediaServiceMetadata" ma:readOnly="true">
+      <xsd:simpleType>
+        <xsd:restriction base="dms:Note"/>
+      </xsd:simpleType>
+    </xsd:element>
+    <xsd:element name="MediaServiceFastMetadata" ma:index="11" nillable="true" ma:displayName="MediaServiceFastMetadata" ma:hidden="true" ma:internalName="MediaServiceFastMetadata" ma:readOnly="true">
+      <xsd:simpleType>
+        <xsd:restriction base="dms:Note"/>
+      </xsd:simpleType>
+    </xsd:element>
+    <xsd:element name="MediaServiceAutoKeyPoints" ma:index="12" nillable="true" ma:displayName="MediaServiceAutoKeyPoints" ma:hidden="true" ma:internalName="MediaServiceAutoKeyPoints" ma:readOnly="true">
+      <xsd:simpleType>
+        <xsd:restriction base="dms:Note"/>
+      </xsd:simpleType>
+    </xsd:element>
+    <xsd:element name="MediaServiceKeyPoints" ma:index="13" nillable="true" ma:displayName="KeyPoints" ma:internalName="MediaServiceKeyPoints" ma:readOnly="true">
+      <xsd:simpleType>
+        <xsd:restriction base="dms:Note">
+          <xsd:maxLength value="255"/>
+        </xsd:restriction>
+      </xsd:simpleType>
+    </xsd:element>
+    <xsd:element name="MediaServiceAutoTags" ma:index="14" nillable="true" ma:displayName="Tags" ma:internalName="MediaServiceAutoTags" ma:readOnly="true">
+      <xsd:simpleType>
+        <xsd:restriction base="dms:Text"/>
+      </xsd:simpleType>
+    </xsd:element>
+    <xsd:element name="MediaServiceOCR" ma:index="15" nillable="true" ma:displayName="Extracted Text" ma:internalName="MediaServiceOCR" ma:readOnly="true">
+      <xsd:simpleType>
+        <xsd:restriction base="dms:Note">
+          <xsd:maxLength value="255"/>
+        </xsd:restriction>
+      </xsd:simpleType>
+    </xsd:element>
+    <xsd:element name="MediaServiceGenerationTime" ma:index="16" nillable="true" ma:displayName="MediaServiceGenerationTime" ma:hidden="true" ma:internalName="MediaServiceGenerationTime" ma:readOnly="true">
+      <xsd:simpleType>
+        <xsd:restriction base="dms:Text"/>
+      </xsd:simpleType>
+    </xsd:element>
+    <xsd:element name="MediaServiceEventHashCode" ma:index="17" nillable="true" ma:displayName="MediaServiceEventHashCode" ma:hidden="true" ma:internalName="MediaServiceEventHashCode" ma:readOnly="true">
+      <xsd:simpleType>
+        <xsd:restriction base="dms:Text"/>
+      </xsd:simpleType>
+    </xsd:element>
+    <xsd:element name="MediaLengthInSeconds" ma:index="18" nillable="true" ma:displayName="MediaLengthInSeconds" ma:hidden="true" ma:internalName="MediaLengthInSeconds" ma:readOnly="true">
+      <xsd:simpleType>
+        <xsd:restriction base="dms:Unknown"/>
+      </xsd:simpleType>
+    </xsd:element>
+    <xsd:element name="MediaServiceDateTaken" ma:index="19" nillable="true" ma:displayName="MediaServiceDateTaken" ma:hidden="true" ma:internalName="MediaServiceDateTaken" ma:readOnly="true">
+      <xsd:simpleType>
+        <xsd:restriction base="dms:Text"/>
+      </xsd:simpleType>
+    </xsd:element>
+    <xsd:element name="MediaServiceLocation" ma:index="20" nillable="true" ma:displayName="Location" ma:internalName="MediaServiceLocation" ma:readOnly="true">
+      <xsd:simpleType>
+        <xsd:restriction base="dms:Text"/>
+      </xsd:simpleType>
+    </xsd:element>
+    <xsd:element name="lcf76f155ced4ddcb4097134ff3c332f" ma:index="23" nillable="true" ma:taxonomy="true" ma:internalName="lcf76f155ced4ddcb4097134ff3c332f" ma:taxonomyFieldName="MediaServiceImageTags" ma:displayName="Bildmarkierungen" ma:readOnly="false" ma:fieldId="{5cf76f15-5ced-4ddc-b409-7134ff3c332f}" ma:taxonomyMulti="true" ma:sspId="e63edab7-d5f1-4c02-989a-0e8ed7c6c383" ma:termSetId="09814cd3-568e-fe90-9814-8d621ff8fb84" ma:anchorId="fba54fb3-c3e1-fe81-a776-ca4b69148c4d" ma:open="true" ma:isKeyword="false">
+      <xsd:complexType>
+        <xsd:sequence>
+          <xsd:element ref="pc:Terms" minOccurs="0" maxOccurs="1"/>
+        </xsd:sequence>
+      </xsd:complexType>
+    </xsd:element>
+    <xsd:element name="MediaServiceObjectDetectorVersions" ma:index="26" nillable="true" ma:displayName="MediaServiceObjectDetectorVersions" ma:description="" ma:hidden="true" ma:indexed="true" ma:internalName="MediaServiceObjectDetectorVersions" ma:readOnly="true">
+      <xsd:simpleType>
+        <xsd:restriction base="dms:Text"/>
+      </xsd:simpleType>
+    </xsd:element>
+    <xsd:element name="MediaServiceSearchProperties" ma:index="27" nillable="true" ma:displayName="MediaServiceSearchProperties" ma:hidden="true" ma:internalName="MediaServiceSearchProperties" ma:readOnly="true">
+      <xsd:simpleType>
+        <xsd:restriction base="dms:Note"/>
+      </xsd:simpleType>
+    </xsd:element>
+  </xsd:schema>
+  <xsd:schema xmlns:xsd="http://www.w3.org/2001/XMLSchema" xmlns:xs="http://www.w3.org/2001/XMLSchema" xmlns:dms="http://schemas.microsoft.com/office/2006/documentManagement/types" xmlns:pc="http://schemas.microsoft.com/office/infopath/2007/PartnerControls" targetNamespace="56810815-8df0-4f10-8da7-34164765fbe3" elementFormDefault="qualified">
+    <xsd:import namespace="http://schemas.microsoft.com/office/2006/documentManagement/types"/>
+    <xsd:import namespace="http://schemas.microsoft.com/office/infopath/2007/PartnerControls"/>
+    <xsd:element name="TaxCatchAll" ma:index="21" nillable="true" ma:displayName="Taxonomy Catch All Column" ma:hidden="true" ma:list="{c015a078-2538-49e9-8176-d5282097e92f}" ma:internalName="TaxCatchAll" ma:showField="CatchAllData" ma:web="ce079751-a51b-4a27-9376-edf93eae18d5">
+      <xsd:complexType>
+        <xsd:complexContent>
+          <xsd:extension base="dms:MultiChoiceLookup">
+            <xsd:sequence>
+              <xsd:element name="Value" type="dms:Lookup" maxOccurs="unbounded" minOccurs="0" nillable="true"/>
+            </xsd:sequence>
+          </xsd:extension>
+        </xsd:complexContent>
+      </xsd:complexType>
+    </xsd:element>
+  </xsd:schema>
+  <xsd:schema xmlns="http://schemas.openxmlformats.org/package/2006/metadata/core-properties" xmlns:xsd="http://www.w3.org/2001/XMLSchema" xmlns:xsi="http://www.w3.org/2001/XMLSchema-instance" xmlns:dc="http://purl.org/dc/elements/1.1/" xmlns:dcterms="http://purl.org/dc/terms/" xmlns:odoc="http://schemas.microsoft.com/internal/obd" targetNamespace="http://schemas.openxmlformats.org/package/2006/metadata/core-properties" elementFormDefault="qualified" attributeFormDefault="unqualified" blockDefault="#all">
+    <xsd:import namespace="http://purl.org/dc/elements/1.1/" schemaLocation="http://dublincore.org/schemas/xmls/qdc/2003/04/02/dc.xsd"/>
+    <xsd:import namespace="http://purl.org/dc/terms/" schemaLocation="http://dublincore.org/schemas/xmls/qdc/2003/04/02/dcterms.xsd"/>
+    <xsd:element name="coreProperties" type="CT_coreProperties"/>
+    <xsd:complexType name="CT_coreProperties">
+      <xsd:all>
+        <xsd:element ref="dc:creator" minOccurs="0" maxOccurs="1"/>
+        <xsd:element ref="dcterms:created" minOccurs="0" maxOccurs="1"/>
+        <xsd:element ref="dc:identifier" minOccurs="0" maxOccurs="1"/>
+        <xsd:element name="contentType" minOccurs="0" maxOccurs="1" type="xsd:string" ma:index="0" ma:displayName="Inhaltstyp"/>
+        <xsd:element ref="dc:title" minOccurs="0" maxOccurs="1" ma:index="4" ma:displayName="Titel"/>
+        <xsd:element ref="dc:subject" minOccurs="0" maxOccurs="1"/>
+        <xsd:element ref="dc:description" minOccurs="0" maxOccurs="1"/>
+        <xsd:element name="keywords" minOccurs="0" maxOccurs="1" type="xsd:string"/>
+        <xsd:element ref="dc:language" minOccurs="0" maxOccurs="1"/>
+        <xsd:element name="category" minOccurs="0" maxOccurs="1" type="xsd:string"/>
+        <xsd:element name="version" minOccurs="0" maxOccurs="1" type="xsd:string"/>
+        <xsd:element name="revision" minOccurs="0" maxOccurs="1" type="xsd:string">
+          <xsd:annotation>
+            <xsd:documentation>
+                        This value indicates the number of saves or revisions. The application is responsible for updating this value after each revision.
+                    </xsd:documentation>
+          </xsd:annotation>
+        </xsd:element>
+        <xsd:element name="lastModifiedBy" minOccurs="0" maxOccurs="1" type="xsd:string"/>
+        <xsd:element ref="dcterms:modified" minOccurs="0" maxOccurs="1"/>
+        <xsd:element name="contentStatus" minOccurs="0" maxOccurs="1" type="xsd:string"/>
+      </xsd:all>
+    </xsd:complexType>
+  </xsd:schema>
+  <xs:schema xmlns:pc="http://schemas.microsoft.com/office/infopath/2007/PartnerControls" xmlns:xs="http://www.w3.org/2001/XMLSchema" targetNamespace="http://schemas.microsoft.com/office/infopath/2007/PartnerControls" elementFormDefault="qualified" attributeFormDefault="unqualified">
+    <xs:element name="Person">
+      <xs:complexType>
+        <xs:sequence>
+          <xs:element ref="pc:DisplayName" minOccurs="0"/>
+          <xs:element ref="pc:AccountId" minOccurs="0"/>
+          <xs:element ref="pc:AccountType" minOccurs="0"/>
+        </xs:sequence>
+      </xs:complexType>
+    </xs:element>
+    <xs:element name="DisplayName" type="xs:string"/>
+    <xs:element name="AccountId" type="xs:string"/>
+    <xs:element name="AccountType" type="xs:string"/>
+    <xs:element name="BDCAssociatedEntity">
+      <xs:complexType>
+        <xs:sequence>
+          <xs:element ref="pc:BDCEntity" minOccurs="0" maxOccurs="unbounded"/>
+        </xs:sequence>
+        <xs:attribute ref="pc:EntityNamespace"/>
+        <xs:attribute ref="pc:EntityName"/>
+        <xs:attribute ref="pc:SystemInstanceName"/>
+        <xs:attribute ref="pc:AssociationName"/>
+      </xs:complexType>
+    </xs:element>
+    <xs:attribute name="EntityNamespace" type="xs:string"/>
+    <xs:attribute name="EntityName" type="xs:string"/>
+    <xs:attribute name="SystemInstanceName" type="xs:string"/>
+    <xs:attribute name="AssociationName" type="xs:string"/>
+    <xs:element name="BDCEntity">
+      <xs:complexType>
+        <xs:sequence>
+          <xs:element ref="pc:EntityDisplayName" minOccurs="0"/>
+          <xs:element ref="pc:EntityInstanceReference" minOccurs="0"/>
+          <xs:element ref="pc:EntityId1" minOccurs="0"/>
+          <xs:element ref="pc:EntityId2" minOccurs="0"/>
+          <xs:element ref="pc:EntityId3" minOccurs="0"/>
+          <xs:element ref="pc:EntityId4" minOccurs="0"/>
+          <xs:element ref="pc:EntityId5" minOccurs="0"/>
+        </xs:sequence>
+      </xs:complexType>
+    </xs:element>
+    <xs:element name="EntityDisplayName" type="xs:string"/>
+    <xs:element name="EntityInstanceReference" type="xs:string"/>
+    <xs:element name="EntityId1" type="xs:string"/>
+    <xs:element name="EntityId2" type="xs:string"/>
+    <xs:element name="EntityId3" type="xs:string"/>
+    <xs:element name="EntityId4" type="xs:string"/>
+    <xs:element name="EntityId5" type="xs:string"/>
+    <xs:element name="Terms">
+      <xs:complexType>
+        <xs:sequence>
+          <xs:element ref="pc:TermInfo" minOccurs="0" maxOccurs="unbounded"/>
+        </xs:sequence>
+      </xs:complexType>
+    </xs:element>
+    <xs:element name="TermInfo">
+      <xs:complexType>
+        <xs:sequence>
+          <xs:element ref="pc:TermName" minOccurs="0"/>
+          <xs:element ref="pc:TermId" minOccurs="0"/>
+        </xs:sequence>
+      </xs:complexType>
+    </xs:element>
+    <xs:element name="TermName" type="xs:string"/>
+    <xs:element name="TermId" type="xs:string"/>
+  </xs:schema>
+</ct:contentTypeSchema>
+</file>
+
+<file path=customXml/itemProps1.xml><?xml version="1.0" encoding="utf-8"?>
+<ds:datastoreItem xmlns:ds="http://schemas.openxmlformats.org/officeDocument/2006/customXml" ds:itemID="{B4A0114C-CA0B-42DA-9E9D-9562C5DE829E}">
+  <ds:schemaRefs>
+    <ds:schemaRef ds:uri="ce079751-a51b-4a27-9376-edf93eae18d5"/>
+    <ds:schemaRef ds:uri="http://purl.org/dc/dcmitype/"/>
+    <ds:schemaRef ds:uri="a9de424c-86b2-47ed-8d4e-0a9b7010e669"/>
+    <ds:schemaRef ds:uri="http://schemas.microsoft.com/office/infopath/2007/PartnerControls"/>
+    <ds:schemaRef ds:uri="http://www.w3.org/XML/1998/namespace"/>
+    <ds:schemaRef ds:uri="http://purl.org/dc/terms/"/>
+    <ds:schemaRef ds:uri="http://schemas.microsoft.com/sharepoint/v3"/>
+    <ds:schemaRef ds:uri="http://schemas.openxmlformats.org/package/2006/metadata/core-properties"/>
+    <ds:schemaRef ds:uri="http://purl.org/dc/elements/1.1/"/>
+    <ds:schemaRef ds:uri="http://schemas.microsoft.com/office/2006/documentManagement/types"/>
+    <ds:schemaRef ds:uri="56810815-8df0-4f10-8da7-34164765fbe3"/>
+    <ds:schemaRef ds:uri="http://schemas.microsoft.com/office/2006/metadata/properties"/>
+  </ds:schemaRefs>
+</ds:datastoreItem>
+</file>
+
+<file path=customXml/itemProps2.xml><?xml version="1.0" encoding="utf-8"?>
+<ds:datastoreItem xmlns:ds="http://schemas.openxmlformats.org/officeDocument/2006/customXml" ds:itemID="{D24FD0D5-2F45-43E0-BE44-54B1E275E4BC}">
+  <ds:schemaRefs>
+    <ds:schemaRef ds:uri="http://schemas.microsoft.com/sharepoint/v3/contenttype/forms"/>
+  </ds:schemaRefs>
+</ds:datastoreItem>
+</file>
+
+<file path=customXml/itemProps3.xml><?xml version="1.0" encoding="utf-8"?>
+<ds:datastoreItem xmlns:ds="http://schemas.openxmlformats.org/officeDocument/2006/customXml" ds:itemID="{ED4F657C-2D71-40B5-9B4F-EEE28F4C1523}"/>
+</file>
+
 <file path=docMetadata/LabelInfo.xml><?xml version="1.0" encoding="utf-8"?>
 <clbl:labelList xmlns:clbl="http://schemas.microsoft.com/office/2020/mipLabelMetadata">
   <clbl:label id="{6f75f480-7803-4ee9-bb54-84d0635fdbe7}" enabled="1" method="Standard" siteId="{38ae3bcd-9579-4fd4-adda-b42e1495d55a}" contentBits="0" removed="0"/>
